--- a/LookingAtNimble/Results.pptx
+++ b/LookingAtNimble/Results.pptx
@@ -17,6 +17,7 @@
     <p:sldId id="265" r:id="rId11"/>
     <p:sldId id="263" r:id="rId12"/>
     <p:sldId id="267" r:id="rId13"/>
+    <p:sldId id="268" r:id="rId14"/>
   </p:sldIdLst>
   <p:sldSz cx="12192000" cy="6858000"/>
   <p:notesSz cx="6858000" cy="9144000"/>
@@ -115,6 +116,11 @@
       </a:defRPr>
     </a:lvl9pPr>
   </p:defaultTextStyle>
+  <p:extLst>
+    <p:ext uri="{EFAFB233-063F-42B5-8137-9DF3F51BA10A}">
+      <p15:sldGuideLst xmlns:p15="http://schemas.microsoft.com/office/powerpoint/2012/main"/>
+    </p:ext>
+  </p:extLst>
 </p:presentation>
 </file>
 
@@ -265,7 +271,7 @@
           <a:p>
             <a:fld id="{FA5BCFF1-1374-470B-8D55-CDE2A1BC530C}" type="datetimeFigureOut">
               <a:rPr lang="en-US" smtClean="0"/>
-              <a:t>8/4/2023</a:t>
+              <a:t>8/9/2023</a:t>
             </a:fld>
             <a:endParaRPr lang="en-US"/>
           </a:p>
@@ -463,7 +469,7 @@
           <a:p>
             <a:fld id="{FA5BCFF1-1374-470B-8D55-CDE2A1BC530C}" type="datetimeFigureOut">
               <a:rPr lang="en-US" smtClean="0"/>
-              <a:t>8/4/2023</a:t>
+              <a:t>8/9/2023</a:t>
             </a:fld>
             <a:endParaRPr lang="en-US"/>
           </a:p>
@@ -671,7 +677,7 @@
           <a:p>
             <a:fld id="{FA5BCFF1-1374-470B-8D55-CDE2A1BC530C}" type="datetimeFigureOut">
               <a:rPr lang="en-US" smtClean="0"/>
-              <a:t>8/4/2023</a:t>
+              <a:t>8/9/2023</a:t>
             </a:fld>
             <a:endParaRPr lang="en-US"/>
           </a:p>
@@ -869,7 +875,7 @@
           <a:p>
             <a:fld id="{FA5BCFF1-1374-470B-8D55-CDE2A1BC530C}" type="datetimeFigureOut">
               <a:rPr lang="en-US" smtClean="0"/>
-              <a:t>8/4/2023</a:t>
+              <a:t>8/9/2023</a:t>
             </a:fld>
             <a:endParaRPr lang="en-US"/>
           </a:p>
@@ -1144,7 +1150,7 @@
           <a:p>
             <a:fld id="{FA5BCFF1-1374-470B-8D55-CDE2A1BC530C}" type="datetimeFigureOut">
               <a:rPr lang="en-US" smtClean="0"/>
-              <a:t>8/4/2023</a:t>
+              <a:t>8/9/2023</a:t>
             </a:fld>
             <a:endParaRPr lang="en-US"/>
           </a:p>
@@ -1409,7 +1415,7 @@
           <a:p>
             <a:fld id="{FA5BCFF1-1374-470B-8D55-CDE2A1BC530C}" type="datetimeFigureOut">
               <a:rPr lang="en-US" smtClean="0"/>
-              <a:t>8/4/2023</a:t>
+              <a:t>8/9/2023</a:t>
             </a:fld>
             <a:endParaRPr lang="en-US"/>
           </a:p>
@@ -1821,7 +1827,7 @@
           <a:p>
             <a:fld id="{FA5BCFF1-1374-470B-8D55-CDE2A1BC530C}" type="datetimeFigureOut">
               <a:rPr lang="en-US" smtClean="0"/>
-              <a:t>8/4/2023</a:t>
+              <a:t>8/9/2023</a:t>
             </a:fld>
             <a:endParaRPr lang="en-US"/>
           </a:p>
@@ -1962,7 +1968,7 @@
           <a:p>
             <a:fld id="{FA5BCFF1-1374-470B-8D55-CDE2A1BC530C}" type="datetimeFigureOut">
               <a:rPr lang="en-US" smtClean="0"/>
-              <a:t>8/4/2023</a:t>
+              <a:t>8/9/2023</a:t>
             </a:fld>
             <a:endParaRPr lang="en-US"/>
           </a:p>
@@ -2075,7 +2081,7 @@
           <a:p>
             <a:fld id="{FA5BCFF1-1374-470B-8D55-CDE2A1BC530C}" type="datetimeFigureOut">
               <a:rPr lang="en-US" smtClean="0"/>
-              <a:t>8/4/2023</a:t>
+              <a:t>8/9/2023</a:t>
             </a:fld>
             <a:endParaRPr lang="en-US"/>
           </a:p>
@@ -2386,7 +2392,7 @@
           <a:p>
             <a:fld id="{FA5BCFF1-1374-470B-8D55-CDE2A1BC530C}" type="datetimeFigureOut">
               <a:rPr lang="en-US" smtClean="0"/>
-              <a:t>8/4/2023</a:t>
+              <a:t>8/9/2023</a:t>
             </a:fld>
             <a:endParaRPr lang="en-US"/>
           </a:p>
@@ -2674,7 +2680,7 @@
           <a:p>
             <a:fld id="{FA5BCFF1-1374-470B-8D55-CDE2A1BC530C}" type="datetimeFigureOut">
               <a:rPr lang="en-US" smtClean="0"/>
-              <a:t>8/4/2023</a:t>
+              <a:t>8/9/2023</a:t>
             </a:fld>
             <a:endParaRPr lang="en-US"/>
           </a:p>
@@ -2915,7 +2921,7 @@
           <a:p>
             <a:fld id="{FA5BCFF1-1374-470B-8D55-CDE2A1BC530C}" type="datetimeFigureOut">
               <a:rPr lang="en-US" smtClean="0"/>
-              <a:t>8/4/2023</a:t>
+              <a:t>8/9/2023</a:t>
             </a:fld>
             <a:endParaRPr lang="en-US"/>
           </a:p>
@@ -3391,6 +3397,20 @@
             </a:r>
             <a:endParaRPr lang="en-US" dirty="0"/>
           </a:p>
+          <a:p>
+            <a:r>
+              <a:rPr lang="en-US" dirty="0"/>
+              <a:t>(see also </a:t>
+            </a:r>
+            <a:r>
+              <a:rPr lang="en-US" dirty="0" err="1"/>
+              <a:t>glmmTMB</a:t>
+            </a:r>
+            <a:r>
+              <a:rPr lang="en-US" dirty="0"/>
+              <a:t> and Nimble-with-Laplace approximation)</a:t>
+            </a:r>
+          </a:p>
         </p:txBody>
       </p:sp>
       <p:sp>
@@ -3407,8 +3427,8 @@
         </p:nvSpPr>
         <p:spPr>
           <a:xfrm>
-            <a:off x="317500" y="5511800"/>
-            <a:ext cx="11347450" cy="646331"/>
+            <a:off x="273050" y="6140450"/>
+            <a:ext cx="11347450" cy="369332"/>
           </a:xfrm>
           <a:prstGeom prst="rect">
             <a:avLst/>
@@ -3423,11 +3443,8 @@
           <a:p>
             <a:r>
               <a:rPr lang="en-US" dirty="0"/>
-              <a:t>See also:</a:t>
-            </a:r>
-          </a:p>
-          <a:p>
-            <a:endParaRPr lang="en-US" dirty="0"/>
+              <a:t>See also: list here other relevant files.</a:t>
+            </a:r>
           </a:p>
         </p:txBody>
       </p:sp>
@@ -4089,42 +4106,1316 @@
           <a:chExt cx="0" cy="0"/>
         </a:xfrm>
       </p:grpSpPr>
-      <p:pic>
-        <p:nvPicPr>
-          <p:cNvPr id="15" name="Picture 14">
-            <a:extLst>
-              <a:ext uri="{FF2B5EF4-FFF2-40B4-BE49-F238E27FC236}">
-                <a16:creationId xmlns:a16="http://schemas.microsoft.com/office/drawing/2014/main" id="{6B9064A5-819A-1350-3AA4-583878900947}"/>
-              </a:ext>
-            </a:extLst>
-          </p:cNvPr>
-          <p:cNvPicPr>
-            <a:picLocks noChangeAspect="1"/>
-          </p:cNvPicPr>
+      <p:grpSp>
+        <p:nvGrpSpPr>
+          <p:cNvPr id="38" name="Group 37">
+            <a:extLst>
+              <a:ext uri="{FF2B5EF4-FFF2-40B4-BE49-F238E27FC236}">
+                <a16:creationId xmlns:a16="http://schemas.microsoft.com/office/drawing/2014/main" id="{E5F2A19F-1A1D-AE1D-B499-26D40BDCFFFF}"/>
+              </a:ext>
+            </a:extLst>
+          </p:cNvPr>
+          <p:cNvGrpSpPr/>
           <p:nvPr/>
-        </p:nvPicPr>
-        <p:blipFill>
-          <a:blip r:embed="rId2"/>
-          <a:stretch>
-            <a:fillRect/>
-          </a:stretch>
-        </p:blipFill>
+        </p:nvGrpSpPr>
+        <p:grpSpPr>
+          <a:xfrm>
+            <a:off x="454029" y="141555"/>
+            <a:ext cx="6877050" cy="2562465"/>
+            <a:chOff x="419101" y="457200"/>
+            <a:chExt cx="6877050" cy="2562465"/>
+          </a:xfrm>
+        </p:grpSpPr>
+        <p:pic>
+          <p:nvPicPr>
+            <p:cNvPr id="15" name="Picture 14">
+              <a:extLst>
+                <a:ext uri="{FF2B5EF4-FFF2-40B4-BE49-F238E27FC236}">
+                  <a16:creationId xmlns:a16="http://schemas.microsoft.com/office/drawing/2014/main" id="{6B9064A5-819A-1350-3AA4-583878900947}"/>
+                </a:ext>
+              </a:extLst>
+            </p:cNvPr>
+            <p:cNvPicPr>
+              <a:picLocks noChangeAspect="1"/>
+            </p:cNvPicPr>
+            <p:nvPr/>
+          </p:nvPicPr>
+          <p:blipFill>
+            <a:blip r:embed="rId2"/>
+            <a:stretch>
+              <a:fillRect/>
+            </a:stretch>
+          </p:blipFill>
+          <p:spPr>
+            <a:xfrm>
+              <a:off x="419101" y="1648463"/>
+              <a:ext cx="6877050" cy="1343025"/>
+            </a:xfrm>
+            <a:prstGeom prst="rect">
+              <a:avLst/>
+            </a:prstGeom>
+          </p:spPr>
+        </p:pic>
+        <p:sp>
+          <p:nvSpPr>
+            <p:cNvPr id="16" name="Rectangle 15">
+              <a:extLst>
+                <a:ext uri="{FF2B5EF4-FFF2-40B4-BE49-F238E27FC236}">
+                  <a16:creationId xmlns:a16="http://schemas.microsoft.com/office/drawing/2014/main" id="{29699538-4ACD-14D7-5AC3-FC276CCC19F3}"/>
+                </a:ext>
+              </a:extLst>
+            </p:cNvPr>
+            <p:cNvSpPr/>
+            <p:nvPr/>
+          </p:nvSpPr>
+          <p:spPr>
+            <a:xfrm>
+              <a:off x="644526" y="1925204"/>
+              <a:ext cx="1117600" cy="152040"/>
+            </a:xfrm>
+            <a:prstGeom prst="rect">
+              <a:avLst/>
+            </a:prstGeom>
+            <a:solidFill>
+              <a:schemeClr val="accent6">
+                <a:lumMod val="60000"/>
+                <a:lumOff val="40000"/>
+                <a:alpha val="36000"/>
+              </a:schemeClr>
+            </a:solidFill>
+          </p:spPr>
+          <p:style>
+            <a:lnRef idx="2">
+              <a:schemeClr val="accent1">
+                <a:shade val="15000"/>
+              </a:schemeClr>
+            </a:lnRef>
+            <a:fillRef idx="1">
+              <a:schemeClr val="accent1"/>
+            </a:fillRef>
+            <a:effectRef idx="0">
+              <a:schemeClr val="accent1"/>
+            </a:effectRef>
+            <a:fontRef idx="minor">
+              <a:schemeClr val="lt1"/>
+            </a:fontRef>
+          </p:style>
+          <p:txBody>
+            <a:bodyPr rtlCol="0" anchor="ctr"/>
+            <a:lstStyle/>
+            <a:p>
+              <a:pPr algn="ctr"/>
+              <a:endParaRPr lang="en-US"/>
+            </a:p>
+          </p:txBody>
+        </p:sp>
+        <p:sp>
+          <p:nvSpPr>
+            <p:cNvPr id="17" name="Rectangle 16">
+              <a:extLst>
+                <a:ext uri="{FF2B5EF4-FFF2-40B4-BE49-F238E27FC236}">
+                  <a16:creationId xmlns:a16="http://schemas.microsoft.com/office/drawing/2014/main" id="{3B9BEADF-2E35-1139-F43C-F31E3BFA297B}"/>
+                </a:ext>
+              </a:extLst>
+            </p:cNvPr>
+            <p:cNvSpPr/>
+            <p:nvPr/>
+          </p:nvSpPr>
+          <p:spPr>
+            <a:xfrm>
+              <a:off x="701676" y="2849011"/>
+              <a:ext cx="2032000" cy="170654"/>
+            </a:xfrm>
+            <a:prstGeom prst="rect">
+              <a:avLst/>
+            </a:prstGeom>
+            <a:solidFill>
+              <a:schemeClr val="accent1">
+                <a:alpha val="36000"/>
+              </a:schemeClr>
+            </a:solidFill>
+          </p:spPr>
+          <p:style>
+            <a:lnRef idx="2">
+              <a:schemeClr val="accent1">
+                <a:shade val="15000"/>
+              </a:schemeClr>
+            </a:lnRef>
+            <a:fillRef idx="1">
+              <a:schemeClr val="accent1"/>
+            </a:fillRef>
+            <a:effectRef idx="0">
+              <a:schemeClr val="accent1"/>
+            </a:effectRef>
+            <a:fontRef idx="minor">
+              <a:schemeClr val="lt1"/>
+            </a:fontRef>
+          </p:style>
+          <p:txBody>
+            <a:bodyPr rtlCol="0" anchor="ctr"/>
+            <a:lstStyle/>
+            <a:p>
+              <a:pPr algn="ctr"/>
+              <a:endParaRPr lang="en-US"/>
+            </a:p>
+          </p:txBody>
+        </p:sp>
+        <p:sp>
+          <p:nvSpPr>
+            <p:cNvPr id="18" name="Rectangle 17">
+              <a:extLst>
+                <a:ext uri="{FF2B5EF4-FFF2-40B4-BE49-F238E27FC236}">
+                  <a16:creationId xmlns:a16="http://schemas.microsoft.com/office/drawing/2014/main" id="{86B747D8-811B-B262-DE0A-83F93F2603CF}"/>
+                </a:ext>
+              </a:extLst>
+            </p:cNvPr>
+            <p:cNvSpPr/>
+            <p:nvPr/>
+          </p:nvSpPr>
+          <p:spPr>
+            <a:xfrm>
+              <a:off x="701676" y="2542663"/>
+              <a:ext cx="2032000" cy="170654"/>
+            </a:xfrm>
+            <a:prstGeom prst="rect">
+              <a:avLst/>
+            </a:prstGeom>
+            <a:solidFill>
+              <a:schemeClr val="accent5">
+                <a:lumMod val="40000"/>
+                <a:lumOff val="60000"/>
+                <a:alpha val="36000"/>
+              </a:schemeClr>
+            </a:solidFill>
+          </p:spPr>
+          <p:style>
+            <a:lnRef idx="2">
+              <a:schemeClr val="accent1">
+                <a:shade val="15000"/>
+              </a:schemeClr>
+            </a:lnRef>
+            <a:fillRef idx="1">
+              <a:schemeClr val="accent1"/>
+            </a:fillRef>
+            <a:effectRef idx="0">
+              <a:schemeClr val="accent1"/>
+            </a:effectRef>
+            <a:fontRef idx="minor">
+              <a:schemeClr val="lt1"/>
+            </a:fontRef>
+          </p:style>
+          <p:txBody>
+            <a:bodyPr rtlCol="0" anchor="ctr"/>
+            <a:lstStyle/>
+            <a:p>
+              <a:pPr algn="ctr"/>
+              <a:endParaRPr lang="en-US"/>
+            </a:p>
+          </p:txBody>
+        </p:sp>
+        <p:sp>
+          <p:nvSpPr>
+            <p:cNvPr id="19" name="Rectangle 18">
+              <a:extLst>
+                <a:ext uri="{FF2B5EF4-FFF2-40B4-BE49-F238E27FC236}">
+                  <a16:creationId xmlns:a16="http://schemas.microsoft.com/office/drawing/2014/main" id="{84614404-9C2C-9277-A1BC-F095208BD9AC}"/>
+                </a:ext>
+              </a:extLst>
+            </p:cNvPr>
+            <p:cNvSpPr/>
+            <p:nvPr/>
+          </p:nvSpPr>
+          <p:spPr>
+            <a:xfrm>
+              <a:off x="701676" y="2245911"/>
+              <a:ext cx="1955800" cy="134616"/>
+            </a:xfrm>
+            <a:prstGeom prst="rect">
+              <a:avLst/>
+            </a:prstGeom>
+            <a:solidFill>
+              <a:srgbClr val="FFFF00">
+                <a:alpha val="36000"/>
+              </a:srgbClr>
+            </a:solidFill>
+          </p:spPr>
+          <p:style>
+            <a:lnRef idx="2">
+              <a:schemeClr val="accent1">
+                <a:shade val="15000"/>
+              </a:schemeClr>
+            </a:lnRef>
+            <a:fillRef idx="1">
+              <a:schemeClr val="accent1"/>
+            </a:fillRef>
+            <a:effectRef idx="0">
+              <a:schemeClr val="accent1"/>
+            </a:effectRef>
+            <a:fontRef idx="minor">
+              <a:schemeClr val="lt1"/>
+            </a:fontRef>
+          </p:style>
+          <p:txBody>
+            <a:bodyPr rtlCol="0" anchor="ctr"/>
+            <a:lstStyle/>
+            <a:p>
+              <a:pPr algn="ctr"/>
+              <a:endParaRPr lang="en-US"/>
+            </a:p>
+          </p:txBody>
+        </p:sp>
+        <p:sp>
+          <p:nvSpPr>
+            <p:cNvPr id="23" name="TextBox 22">
+              <a:extLst>
+                <a:ext uri="{FF2B5EF4-FFF2-40B4-BE49-F238E27FC236}">
+                  <a16:creationId xmlns:a16="http://schemas.microsoft.com/office/drawing/2014/main" id="{734FCD36-CE09-45BB-1243-77DCA5F29CE9}"/>
+                </a:ext>
+              </a:extLst>
+            </p:cNvPr>
+            <p:cNvSpPr txBox="1"/>
+            <p:nvPr/>
+          </p:nvSpPr>
+          <p:spPr>
+            <a:xfrm>
+              <a:off x="914400" y="457200"/>
+              <a:ext cx="2895600" cy="369332"/>
+            </a:xfrm>
+            <a:prstGeom prst="rect">
+              <a:avLst/>
+            </a:prstGeom>
+            <a:noFill/>
+          </p:spPr>
+          <p:txBody>
+            <a:bodyPr wrap="square" rtlCol="0">
+              <a:spAutoFit/>
+            </a:bodyPr>
+            <a:lstStyle/>
+            <a:p>
+              <a:r>
+                <a:rPr lang="en-US" dirty="0"/>
+                <a:t>Intercept (on the link scale)</a:t>
+              </a:r>
+            </a:p>
+          </p:txBody>
+        </p:sp>
+      </p:grpSp>
+      <p:grpSp>
+        <p:nvGrpSpPr>
+          <p:cNvPr id="37" name="Group 36">
+            <a:extLst>
+              <a:ext uri="{FF2B5EF4-FFF2-40B4-BE49-F238E27FC236}">
+                <a16:creationId xmlns:a16="http://schemas.microsoft.com/office/drawing/2014/main" id="{59804451-E658-FB37-03BC-331349E773F4}"/>
+              </a:ext>
+            </a:extLst>
+          </p:cNvPr>
+          <p:cNvGrpSpPr/>
+          <p:nvPr/>
+        </p:nvGrpSpPr>
+        <p:grpSpPr>
+          <a:xfrm>
+            <a:off x="4956178" y="991567"/>
+            <a:ext cx="2032000" cy="2331241"/>
+            <a:chOff x="4921250" y="1307212"/>
+            <a:chExt cx="2032000" cy="2331241"/>
+          </a:xfrm>
+        </p:grpSpPr>
+        <p:sp>
+          <p:nvSpPr>
+            <p:cNvPr id="6" name="TextBox 5">
+              <a:extLst>
+                <a:ext uri="{FF2B5EF4-FFF2-40B4-BE49-F238E27FC236}">
+                  <a16:creationId xmlns:a16="http://schemas.microsoft.com/office/drawing/2014/main" id="{AC5EB7FD-6042-2898-FE16-FB44EFDA625C}"/>
+                </a:ext>
+              </a:extLst>
+            </p:cNvPr>
+            <p:cNvSpPr txBox="1"/>
+            <p:nvPr/>
+          </p:nvSpPr>
+          <p:spPr>
+            <a:xfrm>
+              <a:off x="5593956" y="1307212"/>
+              <a:ext cx="1314450" cy="369332"/>
+            </a:xfrm>
+            <a:prstGeom prst="rect">
+              <a:avLst/>
+            </a:prstGeom>
+            <a:noFill/>
+          </p:spPr>
+          <p:txBody>
+            <a:bodyPr wrap="square" rtlCol="0">
+              <a:spAutoFit/>
+            </a:bodyPr>
+            <a:lstStyle/>
+            <a:p>
+              <a:r>
+                <a:rPr lang="en-US" dirty="0"/>
+                <a:t>Nimble</a:t>
+              </a:r>
+            </a:p>
+          </p:txBody>
+        </p:sp>
+        <p:sp>
+          <p:nvSpPr>
+            <p:cNvPr id="7" name="TextBox 6">
+              <a:extLst>
+                <a:ext uri="{FF2B5EF4-FFF2-40B4-BE49-F238E27FC236}">
+                  <a16:creationId xmlns:a16="http://schemas.microsoft.com/office/drawing/2014/main" id="{1369314A-8289-525B-1583-795EEBE8ED68}"/>
+                </a:ext>
+              </a:extLst>
+            </p:cNvPr>
+            <p:cNvSpPr txBox="1"/>
+            <p:nvPr/>
+          </p:nvSpPr>
+          <p:spPr>
+            <a:xfrm>
+              <a:off x="5599113" y="2635708"/>
+              <a:ext cx="1314450" cy="369332"/>
+            </a:xfrm>
+            <a:prstGeom prst="rect">
+              <a:avLst/>
+            </a:prstGeom>
+            <a:noFill/>
+          </p:spPr>
+          <p:txBody>
+            <a:bodyPr wrap="square" rtlCol="0">
+              <a:spAutoFit/>
+            </a:bodyPr>
+            <a:lstStyle/>
+            <a:p>
+              <a:r>
+                <a:rPr lang="en-US" dirty="0" err="1"/>
+                <a:t>glmmTMB</a:t>
+              </a:r>
+              <a:endParaRPr lang="en-US" dirty="0"/>
+            </a:p>
+          </p:txBody>
+        </p:sp>
+        <p:sp>
+          <p:nvSpPr>
+            <p:cNvPr id="8" name="TextBox 7">
+              <a:extLst>
+                <a:ext uri="{FF2B5EF4-FFF2-40B4-BE49-F238E27FC236}">
+                  <a16:creationId xmlns:a16="http://schemas.microsoft.com/office/drawing/2014/main" id="{ABE6D3CD-0604-F399-619A-FC1326B54202}"/>
+                </a:ext>
+              </a:extLst>
+            </p:cNvPr>
+            <p:cNvSpPr txBox="1"/>
+            <p:nvPr/>
+          </p:nvSpPr>
+          <p:spPr>
+            <a:xfrm>
+              <a:off x="5106988" y="3269121"/>
+              <a:ext cx="1762125" cy="369332"/>
+            </a:xfrm>
+            <a:prstGeom prst="rect">
+              <a:avLst/>
+            </a:prstGeom>
+            <a:noFill/>
+          </p:spPr>
+          <p:txBody>
+            <a:bodyPr wrap="square" rtlCol="0">
+              <a:spAutoFit/>
+            </a:bodyPr>
+            <a:lstStyle/>
+            <a:p>
+              <a:r>
+                <a:rPr lang="en-US" dirty="0"/>
+                <a:t>Nimble Laplace</a:t>
+              </a:r>
+            </a:p>
+          </p:txBody>
+        </p:sp>
+        <p:sp>
+          <p:nvSpPr>
+            <p:cNvPr id="9" name="TextBox 8">
+              <a:extLst>
+                <a:ext uri="{FF2B5EF4-FFF2-40B4-BE49-F238E27FC236}">
+                  <a16:creationId xmlns:a16="http://schemas.microsoft.com/office/drawing/2014/main" id="{E27257B7-217D-45AF-CE7D-5E932DB9DFEC}"/>
+                </a:ext>
+              </a:extLst>
+            </p:cNvPr>
+            <p:cNvSpPr txBox="1"/>
+            <p:nvPr/>
+          </p:nvSpPr>
+          <p:spPr>
+            <a:xfrm>
+              <a:off x="5632055" y="1892110"/>
+              <a:ext cx="1314450" cy="369332"/>
+            </a:xfrm>
+            <a:prstGeom prst="rect">
+              <a:avLst/>
+            </a:prstGeom>
+            <a:noFill/>
+          </p:spPr>
+          <p:txBody>
+            <a:bodyPr wrap="square" rtlCol="0">
+              <a:spAutoFit/>
+            </a:bodyPr>
+            <a:lstStyle/>
+            <a:p>
+              <a:r>
+                <a:rPr lang="en-US" dirty="0" err="1"/>
+                <a:t>glmer</a:t>
+              </a:r>
+              <a:endParaRPr lang="en-US" dirty="0"/>
+            </a:p>
+          </p:txBody>
+        </p:sp>
+        <p:sp>
+          <p:nvSpPr>
+            <p:cNvPr id="14" name="Rectangle 13">
+              <a:extLst>
+                <a:ext uri="{FF2B5EF4-FFF2-40B4-BE49-F238E27FC236}">
+                  <a16:creationId xmlns:a16="http://schemas.microsoft.com/office/drawing/2014/main" id="{40E39932-D78D-AA3E-B88D-DEED60195065}"/>
+                </a:ext>
+              </a:extLst>
+            </p:cNvPr>
+            <p:cNvSpPr/>
+            <p:nvPr/>
+          </p:nvSpPr>
+          <p:spPr>
+            <a:xfrm>
+              <a:off x="5524502" y="1347896"/>
+              <a:ext cx="1005681" cy="268128"/>
+            </a:xfrm>
+            <a:prstGeom prst="rect">
+              <a:avLst/>
+            </a:prstGeom>
+            <a:solidFill>
+              <a:schemeClr val="accent6">
+                <a:lumMod val="60000"/>
+                <a:lumOff val="40000"/>
+                <a:alpha val="36000"/>
+              </a:schemeClr>
+            </a:solidFill>
+          </p:spPr>
+          <p:style>
+            <a:lnRef idx="2">
+              <a:schemeClr val="accent1">
+                <a:shade val="15000"/>
+              </a:schemeClr>
+            </a:lnRef>
+            <a:fillRef idx="1">
+              <a:schemeClr val="accent1"/>
+            </a:fillRef>
+            <a:effectRef idx="0">
+              <a:schemeClr val="accent1"/>
+            </a:effectRef>
+            <a:fontRef idx="minor">
+              <a:schemeClr val="lt1"/>
+            </a:fontRef>
+          </p:style>
+          <p:txBody>
+            <a:bodyPr rtlCol="0" anchor="ctr"/>
+            <a:lstStyle/>
+            <a:p>
+              <a:pPr algn="ctr"/>
+              <a:endParaRPr lang="en-US"/>
+            </a:p>
+          </p:txBody>
+        </p:sp>
+        <p:sp>
+          <p:nvSpPr>
+            <p:cNvPr id="20" name="Rectangle 19">
+              <a:extLst>
+                <a:ext uri="{FF2B5EF4-FFF2-40B4-BE49-F238E27FC236}">
+                  <a16:creationId xmlns:a16="http://schemas.microsoft.com/office/drawing/2014/main" id="{2F860843-C0F1-125E-9923-0E9C546405C0}"/>
+                </a:ext>
+              </a:extLst>
+            </p:cNvPr>
+            <p:cNvSpPr/>
+            <p:nvPr/>
+          </p:nvSpPr>
+          <p:spPr>
+            <a:xfrm>
+              <a:off x="5634436" y="1862004"/>
+              <a:ext cx="723899" cy="437067"/>
+            </a:xfrm>
+            <a:prstGeom prst="rect">
+              <a:avLst/>
+            </a:prstGeom>
+            <a:solidFill>
+              <a:srgbClr val="FFFF00">
+                <a:alpha val="36000"/>
+              </a:srgbClr>
+            </a:solidFill>
+          </p:spPr>
+          <p:style>
+            <a:lnRef idx="2">
+              <a:schemeClr val="accent1">
+                <a:shade val="15000"/>
+              </a:schemeClr>
+            </a:lnRef>
+            <a:fillRef idx="1">
+              <a:schemeClr val="accent1"/>
+            </a:fillRef>
+            <a:effectRef idx="0">
+              <a:schemeClr val="accent1"/>
+            </a:effectRef>
+            <a:fontRef idx="minor">
+              <a:schemeClr val="lt1"/>
+            </a:fontRef>
+          </p:style>
+          <p:txBody>
+            <a:bodyPr rtlCol="0" anchor="ctr"/>
+            <a:lstStyle/>
+            <a:p>
+              <a:pPr algn="ctr"/>
+              <a:endParaRPr lang="en-US"/>
+            </a:p>
+          </p:txBody>
+        </p:sp>
+        <p:sp>
+          <p:nvSpPr>
+            <p:cNvPr id="21" name="Rectangle 20">
+              <a:extLst>
+                <a:ext uri="{FF2B5EF4-FFF2-40B4-BE49-F238E27FC236}">
+                  <a16:creationId xmlns:a16="http://schemas.microsoft.com/office/drawing/2014/main" id="{C3398A63-FBFF-F112-16A0-42BDC6CA080D}"/>
+                </a:ext>
+              </a:extLst>
+            </p:cNvPr>
+            <p:cNvSpPr/>
+            <p:nvPr/>
+          </p:nvSpPr>
+          <p:spPr>
+            <a:xfrm>
+              <a:off x="5524502" y="2593145"/>
+              <a:ext cx="1277935" cy="511731"/>
+            </a:xfrm>
+            <a:prstGeom prst="rect">
+              <a:avLst/>
+            </a:prstGeom>
+            <a:solidFill>
+              <a:schemeClr val="accent5">
+                <a:lumMod val="40000"/>
+                <a:lumOff val="60000"/>
+                <a:alpha val="36000"/>
+              </a:schemeClr>
+            </a:solidFill>
+          </p:spPr>
+          <p:style>
+            <a:lnRef idx="2">
+              <a:schemeClr val="accent1">
+                <a:shade val="15000"/>
+              </a:schemeClr>
+            </a:lnRef>
+            <a:fillRef idx="1">
+              <a:schemeClr val="accent1"/>
+            </a:fillRef>
+            <a:effectRef idx="0">
+              <a:schemeClr val="accent1"/>
+            </a:effectRef>
+            <a:fontRef idx="minor">
+              <a:schemeClr val="lt1"/>
+            </a:fontRef>
+          </p:style>
+          <p:txBody>
+            <a:bodyPr rtlCol="0" anchor="ctr"/>
+            <a:lstStyle/>
+            <a:p>
+              <a:pPr algn="ctr"/>
+              <a:endParaRPr lang="en-US"/>
+            </a:p>
+          </p:txBody>
+        </p:sp>
+        <p:sp>
+          <p:nvSpPr>
+            <p:cNvPr id="22" name="Rectangle 21">
+              <a:extLst>
+                <a:ext uri="{FF2B5EF4-FFF2-40B4-BE49-F238E27FC236}">
+                  <a16:creationId xmlns:a16="http://schemas.microsoft.com/office/drawing/2014/main" id="{FEB240B7-B0F7-9CC1-BB2B-5B2E48C64920}"/>
+                </a:ext>
+              </a:extLst>
+            </p:cNvPr>
+            <p:cNvSpPr/>
+            <p:nvPr/>
+          </p:nvSpPr>
+          <p:spPr>
+            <a:xfrm>
+              <a:off x="4921250" y="3267533"/>
+              <a:ext cx="2032000" cy="369332"/>
+            </a:xfrm>
+            <a:prstGeom prst="rect">
+              <a:avLst/>
+            </a:prstGeom>
+            <a:solidFill>
+              <a:schemeClr val="accent1">
+                <a:alpha val="36000"/>
+              </a:schemeClr>
+            </a:solidFill>
+          </p:spPr>
+          <p:style>
+            <a:lnRef idx="2">
+              <a:schemeClr val="accent1">
+                <a:shade val="15000"/>
+              </a:schemeClr>
+            </a:lnRef>
+            <a:fillRef idx="1">
+              <a:schemeClr val="accent1"/>
+            </a:fillRef>
+            <a:effectRef idx="0">
+              <a:schemeClr val="accent1"/>
+            </a:effectRef>
+            <a:fontRef idx="minor">
+              <a:schemeClr val="lt1"/>
+            </a:fontRef>
+          </p:style>
+          <p:txBody>
+            <a:bodyPr rtlCol="0" anchor="ctr"/>
+            <a:lstStyle/>
+            <a:p>
+              <a:pPr algn="ctr"/>
+              <a:endParaRPr lang="en-US"/>
+            </a:p>
+          </p:txBody>
+        </p:sp>
+      </p:grpSp>
+      <p:grpSp>
+        <p:nvGrpSpPr>
+          <p:cNvPr id="36" name="Group 35">
+            <a:extLst>
+              <a:ext uri="{FF2B5EF4-FFF2-40B4-BE49-F238E27FC236}">
+                <a16:creationId xmlns:a16="http://schemas.microsoft.com/office/drawing/2014/main" id="{EE116773-5E59-9B0C-97F1-3FD213117B71}"/>
+              </a:ext>
+            </a:extLst>
+          </p:cNvPr>
+          <p:cNvGrpSpPr/>
+          <p:nvPr/>
+        </p:nvGrpSpPr>
+        <p:grpSpPr>
+          <a:xfrm>
+            <a:off x="454029" y="3425778"/>
+            <a:ext cx="5440365" cy="3220397"/>
+            <a:chOff x="7259636" y="418056"/>
+            <a:chExt cx="5440365" cy="3220397"/>
+          </a:xfrm>
+        </p:grpSpPr>
+        <p:pic>
+          <p:nvPicPr>
+            <p:cNvPr id="4" name="Picture 3">
+              <a:extLst>
+                <a:ext uri="{FF2B5EF4-FFF2-40B4-BE49-F238E27FC236}">
+                  <a16:creationId xmlns:a16="http://schemas.microsoft.com/office/drawing/2014/main" id="{AEA0722B-7949-7F48-E61A-8B6ACE7BAC46}"/>
+                </a:ext>
+              </a:extLst>
+            </p:cNvPr>
+            <p:cNvPicPr>
+              <a:picLocks noChangeAspect="1"/>
+            </p:cNvPicPr>
+            <p:nvPr/>
+          </p:nvPicPr>
+          <p:blipFill>
+            <a:blip r:embed="rId3"/>
+            <a:stretch>
+              <a:fillRect/>
+            </a:stretch>
+          </p:blipFill>
+          <p:spPr>
+            <a:xfrm>
+              <a:off x="7296151" y="1107879"/>
+              <a:ext cx="5403850" cy="2503686"/>
+            </a:xfrm>
+            <a:prstGeom prst="rect">
+              <a:avLst/>
+            </a:prstGeom>
+          </p:spPr>
+        </p:pic>
+        <p:sp>
+          <p:nvSpPr>
+            <p:cNvPr id="10" name="Rectangle 9">
+              <a:extLst>
+                <a:ext uri="{FF2B5EF4-FFF2-40B4-BE49-F238E27FC236}">
+                  <a16:creationId xmlns:a16="http://schemas.microsoft.com/office/drawing/2014/main" id="{7BD4C822-C15B-B95D-A366-8DD0E12322BA}"/>
+                </a:ext>
+              </a:extLst>
+            </p:cNvPr>
+            <p:cNvSpPr/>
+            <p:nvPr/>
+          </p:nvSpPr>
+          <p:spPr>
+            <a:xfrm>
+              <a:off x="7294564" y="3447471"/>
+              <a:ext cx="2032000" cy="190982"/>
+            </a:xfrm>
+            <a:prstGeom prst="rect">
+              <a:avLst/>
+            </a:prstGeom>
+            <a:solidFill>
+              <a:schemeClr val="accent1">
+                <a:alpha val="36000"/>
+              </a:schemeClr>
+            </a:solidFill>
+          </p:spPr>
+          <p:style>
+            <a:lnRef idx="2">
+              <a:schemeClr val="accent1">
+                <a:shade val="15000"/>
+              </a:schemeClr>
+            </a:lnRef>
+            <a:fillRef idx="1">
+              <a:schemeClr val="accent1"/>
+            </a:fillRef>
+            <a:effectRef idx="0">
+              <a:schemeClr val="accent1"/>
+            </a:effectRef>
+            <a:fontRef idx="minor">
+              <a:schemeClr val="lt1"/>
+            </a:fontRef>
+          </p:style>
+          <p:txBody>
+            <a:bodyPr rtlCol="0" anchor="ctr"/>
+            <a:lstStyle/>
+            <a:p>
+              <a:pPr algn="ctr"/>
+              <a:endParaRPr lang="en-US"/>
+            </a:p>
+          </p:txBody>
+        </p:sp>
+        <p:sp>
+          <p:nvSpPr>
+            <p:cNvPr id="11" name="Rectangle 10">
+              <a:extLst>
+                <a:ext uri="{FF2B5EF4-FFF2-40B4-BE49-F238E27FC236}">
+                  <a16:creationId xmlns:a16="http://schemas.microsoft.com/office/drawing/2014/main" id="{282DE57A-B2B4-7556-AAA0-A317EE99F0FA}"/>
+                </a:ext>
+              </a:extLst>
+            </p:cNvPr>
+            <p:cNvSpPr/>
+            <p:nvPr/>
+          </p:nvSpPr>
+          <p:spPr>
+            <a:xfrm>
+              <a:off x="8912226" y="2824585"/>
+              <a:ext cx="698500" cy="511731"/>
+            </a:xfrm>
+            <a:prstGeom prst="rect">
+              <a:avLst/>
+            </a:prstGeom>
+            <a:solidFill>
+              <a:schemeClr val="accent5">
+                <a:lumMod val="40000"/>
+                <a:lumOff val="60000"/>
+                <a:alpha val="36000"/>
+              </a:schemeClr>
+            </a:solidFill>
+          </p:spPr>
+          <p:style>
+            <a:lnRef idx="2">
+              <a:schemeClr val="accent1">
+                <a:shade val="15000"/>
+              </a:schemeClr>
+            </a:lnRef>
+            <a:fillRef idx="1">
+              <a:schemeClr val="accent1"/>
+            </a:fillRef>
+            <a:effectRef idx="0">
+              <a:schemeClr val="accent1"/>
+            </a:effectRef>
+            <a:fontRef idx="minor">
+              <a:schemeClr val="lt1"/>
+            </a:fontRef>
+          </p:style>
+          <p:txBody>
+            <a:bodyPr rtlCol="0" anchor="ctr"/>
+            <a:lstStyle/>
+            <a:p>
+              <a:pPr algn="ctr"/>
+              <a:endParaRPr lang="en-US"/>
+            </a:p>
+          </p:txBody>
+        </p:sp>
+        <p:sp>
+          <p:nvSpPr>
+            <p:cNvPr id="12" name="Rectangle 11">
+              <a:extLst>
+                <a:ext uri="{FF2B5EF4-FFF2-40B4-BE49-F238E27FC236}">
+                  <a16:creationId xmlns:a16="http://schemas.microsoft.com/office/drawing/2014/main" id="{4DFBE8E4-B12A-0682-9D43-A2E77E55F1B0}"/>
+                </a:ext>
+              </a:extLst>
+            </p:cNvPr>
+            <p:cNvSpPr/>
+            <p:nvPr/>
+          </p:nvSpPr>
+          <p:spPr>
+            <a:xfrm>
+              <a:off x="7259636" y="1412431"/>
+              <a:ext cx="1808163" cy="289370"/>
+            </a:xfrm>
+            <a:prstGeom prst="rect">
+              <a:avLst/>
+            </a:prstGeom>
+            <a:solidFill>
+              <a:schemeClr val="accent6">
+                <a:lumMod val="60000"/>
+                <a:lumOff val="40000"/>
+                <a:alpha val="36000"/>
+              </a:schemeClr>
+            </a:solidFill>
+          </p:spPr>
+          <p:style>
+            <a:lnRef idx="2">
+              <a:schemeClr val="accent1">
+                <a:shade val="15000"/>
+              </a:schemeClr>
+            </a:lnRef>
+            <a:fillRef idx="1">
+              <a:schemeClr val="accent1"/>
+            </a:fillRef>
+            <a:effectRef idx="0">
+              <a:schemeClr val="accent1"/>
+            </a:effectRef>
+            <a:fontRef idx="minor">
+              <a:schemeClr val="lt1"/>
+            </a:fontRef>
+          </p:style>
+          <p:txBody>
+            <a:bodyPr rtlCol="0" anchor="ctr"/>
+            <a:lstStyle/>
+            <a:p>
+              <a:pPr algn="ctr"/>
+              <a:endParaRPr lang="en-US"/>
+            </a:p>
+          </p:txBody>
+        </p:sp>
+        <p:sp>
+          <p:nvSpPr>
+            <p:cNvPr id="13" name="Rectangle 12">
+              <a:extLst>
+                <a:ext uri="{FF2B5EF4-FFF2-40B4-BE49-F238E27FC236}">
+                  <a16:creationId xmlns:a16="http://schemas.microsoft.com/office/drawing/2014/main" id="{DC75F0DA-A9DE-8AF7-9ACD-C40B9396D38A}"/>
+                </a:ext>
+              </a:extLst>
+            </p:cNvPr>
+            <p:cNvSpPr/>
+            <p:nvPr/>
+          </p:nvSpPr>
+          <p:spPr>
+            <a:xfrm>
+              <a:off x="8939213" y="1988634"/>
+              <a:ext cx="698500" cy="289370"/>
+            </a:xfrm>
+            <a:prstGeom prst="rect">
+              <a:avLst/>
+            </a:prstGeom>
+            <a:solidFill>
+              <a:srgbClr val="FFFF00">
+                <a:alpha val="36000"/>
+              </a:srgbClr>
+            </a:solidFill>
+          </p:spPr>
+          <p:style>
+            <a:lnRef idx="2">
+              <a:schemeClr val="accent1">
+                <a:shade val="15000"/>
+              </a:schemeClr>
+            </a:lnRef>
+            <a:fillRef idx="1">
+              <a:schemeClr val="accent1"/>
+            </a:fillRef>
+            <a:effectRef idx="0">
+              <a:schemeClr val="accent1"/>
+            </a:effectRef>
+            <a:fontRef idx="minor">
+              <a:schemeClr val="lt1"/>
+            </a:fontRef>
+          </p:style>
+          <p:txBody>
+            <a:bodyPr rtlCol="0" anchor="ctr"/>
+            <a:lstStyle/>
+            <a:p>
+              <a:pPr algn="ctr"/>
+              <a:endParaRPr lang="en-US"/>
+            </a:p>
+          </p:txBody>
+        </p:sp>
+        <p:sp>
+          <p:nvSpPr>
+            <p:cNvPr id="24" name="TextBox 23">
+              <a:extLst>
+                <a:ext uri="{FF2B5EF4-FFF2-40B4-BE49-F238E27FC236}">
+                  <a16:creationId xmlns:a16="http://schemas.microsoft.com/office/drawing/2014/main" id="{B6276D87-BCB9-A930-01BE-D48317021E0D}"/>
+                </a:ext>
+              </a:extLst>
+            </p:cNvPr>
+            <p:cNvSpPr txBox="1"/>
+            <p:nvPr/>
+          </p:nvSpPr>
+          <p:spPr>
+            <a:xfrm>
+              <a:off x="7294564" y="418056"/>
+              <a:ext cx="4071936" cy="369332"/>
+            </a:xfrm>
+            <a:prstGeom prst="rect">
+              <a:avLst/>
+            </a:prstGeom>
+            <a:noFill/>
+          </p:spPr>
+          <p:txBody>
+            <a:bodyPr wrap="square" rtlCol="0">
+              <a:spAutoFit/>
+            </a:bodyPr>
+            <a:lstStyle/>
+            <a:p>
+              <a:r>
+                <a:rPr lang="en-US" dirty="0"/>
+                <a:t>Random effects standard deviation</a:t>
+              </a:r>
+            </a:p>
+          </p:txBody>
+        </p:sp>
+      </p:grpSp>
+      <p:grpSp>
+        <p:nvGrpSpPr>
+          <p:cNvPr id="39" name="Group 38">
+            <a:extLst>
+              <a:ext uri="{FF2B5EF4-FFF2-40B4-BE49-F238E27FC236}">
+                <a16:creationId xmlns:a16="http://schemas.microsoft.com/office/drawing/2014/main" id="{4225F844-3841-9210-A8EF-072D7C0FD769}"/>
+              </a:ext>
+            </a:extLst>
+          </p:cNvPr>
+          <p:cNvGrpSpPr/>
+          <p:nvPr/>
+        </p:nvGrpSpPr>
+        <p:grpSpPr>
+          <a:xfrm>
+            <a:off x="7364615" y="453736"/>
+            <a:ext cx="4571603" cy="2601279"/>
+            <a:chOff x="1009653" y="4256721"/>
+            <a:chExt cx="4571603" cy="2601279"/>
+          </a:xfrm>
+        </p:grpSpPr>
+        <p:pic>
+          <p:nvPicPr>
+            <p:cNvPr id="26" name="Picture 25">
+              <a:extLst>
+                <a:ext uri="{FF2B5EF4-FFF2-40B4-BE49-F238E27FC236}">
+                  <a16:creationId xmlns:a16="http://schemas.microsoft.com/office/drawing/2014/main" id="{2E8C802D-6D86-6DA8-C068-F0FC118FC705}"/>
+                </a:ext>
+              </a:extLst>
+            </p:cNvPr>
+            <p:cNvPicPr>
+              <a:picLocks noChangeAspect="1"/>
+            </p:cNvPicPr>
+            <p:nvPr/>
+          </p:nvPicPr>
+          <p:blipFill>
+            <a:blip r:embed="rId4"/>
+            <a:stretch>
+              <a:fillRect/>
+            </a:stretch>
+          </p:blipFill>
+          <p:spPr>
+            <a:xfrm>
+              <a:off x="1104900" y="5003748"/>
+              <a:ext cx="4476356" cy="1850034"/>
+            </a:xfrm>
+            <a:prstGeom prst="rect">
+              <a:avLst/>
+            </a:prstGeom>
+          </p:spPr>
+        </p:pic>
+        <p:sp>
+          <p:nvSpPr>
+            <p:cNvPr id="27" name="TextBox 26">
+              <a:extLst>
+                <a:ext uri="{FF2B5EF4-FFF2-40B4-BE49-F238E27FC236}">
+                  <a16:creationId xmlns:a16="http://schemas.microsoft.com/office/drawing/2014/main" id="{E8CDCE9D-4C02-AEF2-0609-72B4CB2D4A62}"/>
+                </a:ext>
+              </a:extLst>
+            </p:cNvPr>
+            <p:cNvSpPr txBox="1"/>
+            <p:nvPr/>
+          </p:nvSpPr>
+          <p:spPr>
+            <a:xfrm>
+              <a:off x="1285876" y="4256721"/>
+              <a:ext cx="2895600" cy="369332"/>
+            </a:xfrm>
+            <a:prstGeom prst="rect">
+              <a:avLst/>
+            </a:prstGeom>
+            <a:noFill/>
+          </p:spPr>
+          <p:txBody>
+            <a:bodyPr wrap="square" rtlCol="0">
+              <a:spAutoFit/>
+            </a:bodyPr>
+            <a:lstStyle/>
+            <a:p>
+              <a:r>
+                <a:rPr lang="en-US" dirty="0"/>
+                <a:t>Dispersion</a:t>
+              </a:r>
+            </a:p>
+          </p:txBody>
+        </p:sp>
+        <p:sp>
+          <p:nvSpPr>
+            <p:cNvPr id="32" name="Rectangle 31">
+              <a:extLst>
+                <a:ext uri="{FF2B5EF4-FFF2-40B4-BE49-F238E27FC236}">
+                  <a16:creationId xmlns:a16="http://schemas.microsoft.com/office/drawing/2014/main" id="{74097970-9537-E602-5328-EDF0F809203F}"/>
+                </a:ext>
+              </a:extLst>
+            </p:cNvPr>
+            <p:cNvSpPr/>
+            <p:nvPr/>
+          </p:nvSpPr>
+          <p:spPr>
+            <a:xfrm>
+              <a:off x="1009653" y="5133135"/>
+              <a:ext cx="1117600" cy="152040"/>
+            </a:xfrm>
+            <a:prstGeom prst="rect">
+              <a:avLst/>
+            </a:prstGeom>
+            <a:solidFill>
+              <a:schemeClr val="accent6">
+                <a:lumMod val="60000"/>
+                <a:lumOff val="40000"/>
+                <a:alpha val="36000"/>
+              </a:schemeClr>
+            </a:solidFill>
+          </p:spPr>
+          <p:style>
+            <a:lnRef idx="2">
+              <a:schemeClr val="accent1">
+                <a:shade val="15000"/>
+              </a:schemeClr>
+            </a:lnRef>
+            <a:fillRef idx="1">
+              <a:schemeClr val="accent1"/>
+            </a:fillRef>
+            <a:effectRef idx="0">
+              <a:schemeClr val="accent1"/>
+            </a:effectRef>
+            <a:fontRef idx="minor">
+              <a:schemeClr val="lt1"/>
+            </a:fontRef>
+          </p:style>
+          <p:txBody>
+            <a:bodyPr rtlCol="0" anchor="ctr"/>
+            <a:lstStyle/>
+            <a:p>
+              <a:pPr algn="ctr"/>
+              <a:endParaRPr lang="en-US"/>
+            </a:p>
+          </p:txBody>
+        </p:sp>
+        <p:sp>
+          <p:nvSpPr>
+            <p:cNvPr id="33" name="Rectangle 32">
+              <a:extLst>
+                <a:ext uri="{FF2B5EF4-FFF2-40B4-BE49-F238E27FC236}">
+                  <a16:creationId xmlns:a16="http://schemas.microsoft.com/office/drawing/2014/main" id="{33B04BDD-CEAC-5437-B2EC-CECAEE2130FD}"/>
+                </a:ext>
+              </a:extLst>
+            </p:cNvPr>
+            <p:cNvSpPr/>
+            <p:nvPr/>
+          </p:nvSpPr>
+          <p:spPr>
+            <a:xfrm>
+              <a:off x="1009653" y="6687346"/>
+              <a:ext cx="2032000" cy="170654"/>
+            </a:xfrm>
+            <a:prstGeom prst="rect">
+              <a:avLst/>
+            </a:prstGeom>
+            <a:solidFill>
+              <a:schemeClr val="accent1">
+                <a:alpha val="36000"/>
+              </a:schemeClr>
+            </a:solidFill>
+          </p:spPr>
+          <p:style>
+            <a:lnRef idx="2">
+              <a:schemeClr val="accent1">
+                <a:shade val="15000"/>
+              </a:schemeClr>
+            </a:lnRef>
+            <a:fillRef idx="1">
+              <a:schemeClr val="accent1"/>
+            </a:fillRef>
+            <a:effectRef idx="0">
+              <a:schemeClr val="accent1"/>
+            </a:effectRef>
+            <a:fontRef idx="minor">
+              <a:schemeClr val="lt1"/>
+            </a:fontRef>
+          </p:style>
+          <p:txBody>
+            <a:bodyPr rtlCol="0" anchor="ctr"/>
+            <a:lstStyle/>
+            <a:p>
+              <a:pPr algn="ctr"/>
+              <a:endParaRPr lang="en-US"/>
+            </a:p>
+          </p:txBody>
+        </p:sp>
+        <p:sp>
+          <p:nvSpPr>
+            <p:cNvPr id="34" name="Rectangle 33">
+              <a:extLst>
+                <a:ext uri="{FF2B5EF4-FFF2-40B4-BE49-F238E27FC236}">
+                  <a16:creationId xmlns:a16="http://schemas.microsoft.com/office/drawing/2014/main" id="{98BA915E-D223-B08C-2BD7-9DE28523D38C}"/>
+                </a:ext>
+              </a:extLst>
+            </p:cNvPr>
+            <p:cNvSpPr/>
+            <p:nvPr/>
+          </p:nvSpPr>
+          <p:spPr>
+            <a:xfrm>
+              <a:off x="1009653" y="5986032"/>
+              <a:ext cx="2032000" cy="170654"/>
+            </a:xfrm>
+            <a:prstGeom prst="rect">
+              <a:avLst/>
+            </a:prstGeom>
+            <a:solidFill>
+              <a:schemeClr val="accent5">
+                <a:lumMod val="40000"/>
+                <a:lumOff val="60000"/>
+                <a:alpha val="36000"/>
+              </a:schemeClr>
+            </a:solidFill>
+          </p:spPr>
+          <p:style>
+            <a:lnRef idx="2">
+              <a:schemeClr val="accent1">
+                <a:shade val="15000"/>
+              </a:schemeClr>
+            </a:lnRef>
+            <a:fillRef idx="1">
+              <a:schemeClr val="accent1"/>
+            </a:fillRef>
+            <a:effectRef idx="0">
+              <a:schemeClr val="accent1"/>
+            </a:effectRef>
+            <a:fontRef idx="minor">
+              <a:schemeClr val="lt1"/>
+            </a:fontRef>
+          </p:style>
+          <p:txBody>
+            <a:bodyPr rtlCol="0" anchor="ctr"/>
+            <a:lstStyle/>
+            <a:p>
+              <a:pPr algn="ctr"/>
+              <a:endParaRPr lang="en-US"/>
+            </a:p>
+          </p:txBody>
+        </p:sp>
+        <p:sp>
+          <p:nvSpPr>
+            <p:cNvPr id="35" name="Rectangle 34">
+              <a:extLst>
+                <a:ext uri="{FF2B5EF4-FFF2-40B4-BE49-F238E27FC236}">
+                  <a16:creationId xmlns:a16="http://schemas.microsoft.com/office/drawing/2014/main" id="{B1919ABC-597E-3E7D-FBC8-533F6153E05E}"/>
+                </a:ext>
+              </a:extLst>
+            </p:cNvPr>
+            <p:cNvSpPr/>
+            <p:nvPr/>
+          </p:nvSpPr>
+          <p:spPr>
+            <a:xfrm>
+              <a:off x="1104900" y="5414561"/>
+              <a:ext cx="1117600" cy="152040"/>
+            </a:xfrm>
+            <a:prstGeom prst="rect">
+              <a:avLst/>
+            </a:prstGeom>
+            <a:solidFill>
+              <a:srgbClr val="FFFF00">
+                <a:alpha val="36000"/>
+              </a:srgbClr>
+            </a:solidFill>
+          </p:spPr>
+          <p:style>
+            <a:lnRef idx="2">
+              <a:schemeClr val="accent1">
+                <a:shade val="15000"/>
+              </a:schemeClr>
+            </a:lnRef>
+            <a:fillRef idx="1">
+              <a:schemeClr val="accent1"/>
+            </a:fillRef>
+            <a:effectRef idx="0">
+              <a:schemeClr val="accent1"/>
+            </a:effectRef>
+            <a:fontRef idx="minor">
+              <a:schemeClr val="lt1"/>
+            </a:fontRef>
+          </p:style>
+          <p:txBody>
+            <a:bodyPr rtlCol="0" anchor="ctr"/>
+            <a:lstStyle/>
+            <a:p>
+              <a:pPr algn="ctr"/>
+              <a:endParaRPr lang="en-US"/>
+            </a:p>
+          </p:txBody>
+        </p:sp>
+      </p:grpSp>
+      <p:sp>
+        <p:nvSpPr>
+          <p:cNvPr id="40" name="TextBox 39">
+            <a:extLst>
+              <a:ext uri="{FF2B5EF4-FFF2-40B4-BE49-F238E27FC236}">
+                <a16:creationId xmlns:a16="http://schemas.microsoft.com/office/drawing/2014/main" id="{5CF39CB4-C2EF-E9BA-9354-FAEF619A5426}"/>
+              </a:ext>
+            </a:extLst>
+          </p:cNvPr>
+          <p:cNvSpPr txBox="1"/>
+          <p:nvPr/>
+        </p:nvSpPr>
         <p:spPr>
           <a:xfrm>
-            <a:off x="406401" y="2581913"/>
-            <a:ext cx="6877050" cy="1343025"/>
+            <a:off x="4415040" y="6619287"/>
+            <a:ext cx="9963150" cy="246221"/>
           </a:xfrm>
           <a:prstGeom prst="rect">
             <a:avLst/>
           </a:prstGeom>
+          <a:noFill/>
         </p:spPr>
-      </p:pic>
-      <p:sp>
-        <p:nvSpPr>
-          <p:cNvPr id="16" name="Rectangle 15">
-            <a:extLst>
-              <a:ext uri="{FF2B5EF4-FFF2-40B4-BE49-F238E27FC236}">
-                <a16:creationId xmlns:a16="http://schemas.microsoft.com/office/drawing/2014/main" id="{29699538-4ACD-14D7-5AC3-FC276CCC19F3}"/>
+        <p:txBody>
+          <a:bodyPr wrap="square" rtlCol="0">
+            <a:spAutoFit/>
+          </a:bodyPr>
+          <a:lstStyle/>
+          <a:p>
+            <a:r>
+              <a:rPr lang="en-US" sz="1000" dirty="0"/>
+              <a:t>As Len predicted, by the so called “law of total variance” ;) the dispersion parameter is lower for </a:t>
+            </a:r>
+            <a:r>
+              <a:rPr lang="en-US" sz="1000" dirty="0" err="1"/>
+              <a:t>glmer</a:t>
+            </a:r>
+            <a:r>
+              <a:rPr lang="en-US" sz="1000" dirty="0"/>
+              <a:t>, where the random effects </a:t>
+            </a:r>
+            <a:r>
+              <a:rPr lang="en-US" sz="1000" dirty="0" err="1"/>
+              <a:t>sds</a:t>
+            </a:r>
+            <a:r>
+              <a:rPr lang="en-US" sz="1000" dirty="0"/>
+              <a:t> were higher</a:t>
+            </a:r>
+          </a:p>
+        </p:txBody>
+      </p:sp>
+      <p:sp>
+        <p:nvSpPr>
+          <p:cNvPr id="41" name="Rectangle 40">
+            <a:extLst>
+              <a:ext uri="{FF2B5EF4-FFF2-40B4-BE49-F238E27FC236}">
+                <a16:creationId xmlns:a16="http://schemas.microsoft.com/office/drawing/2014/main" id="{E7636857-1A92-1D56-80D6-C2E206446451}"/>
               </a:ext>
             </a:extLst>
           </p:cNvPr>
@@ -4133,8 +5424,8 @@
         </p:nvSpPr>
         <p:spPr>
           <a:xfrm>
-            <a:off x="631826" y="2851468"/>
-            <a:ext cx="1117600" cy="215900"/>
+            <a:off x="9483729" y="6657069"/>
+            <a:ext cx="339721" cy="170655"/>
           </a:xfrm>
           <a:prstGeom prst="rect">
             <a:avLst/>
@@ -4172,165 +5463,42 @@
           </a:p>
         </p:txBody>
       </p:sp>
-      <p:sp>
-        <p:nvSpPr>
-          <p:cNvPr id="17" name="Rectangle 16">
-            <a:extLst>
-              <a:ext uri="{FF2B5EF4-FFF2-40B4-BE49-F238E27FC236}">
-                <a16:creationId xmlns:a16="http://schemas.microsoft.com/office/drawing/2014/main" id="{3B9BEADF-2E35-1139-F43C-F31E3BFA297B}"/>
-              </a:ext>
-            </a:extLst>
-          </p:cNvPr>
-          <p:cNvSpPr/>
-          <p:nvPr/>
-        </p:nvSpPr>
-        <p:spPr>
-          <a:xfrm>
-            <a:off x="688976" y="3803772"/>
-            <a:ext cx="2032000" cy="242332"/>
-          </a:xfrm>
-          <a:prstGeom prst="rect">
-            <a:avLst/>
-          </a:prstGeom>
-          <a:solidFill>
-            <a:schemeClr val="accent1">
-              <a:alpha val="36000"/>
-            </a:schemeClr>
-          </a:solidFill>
-        </p:spPr>
-        <p:style>
-          <a:lnRef idx="2">
-            <a:schemeClr val="accent1">
-              <a:shade val="15000"/>
-            </a:schemeClr>
-          </a:lnRef>
-          <a:fillRef idx="1">
-            <a:schemeClr val="accent1"/>
-          </a:fillRef>
-          <a:effectRef idx="0">
-            <a:schemeClr val="accent1"/>
-          </a:effectRef>
-          <a:fontRef idx="minor">
-            <a:schemeClr val="lt1"/>
-          </a:fontRef>
-        </p:style>
-        <p:txBody>
-          <a:bodyPr rtlCol="0" anchor="ctr"/>
-          <a:lstStyle/>
-          <a:p>
-            <a:pPr algn="ctr"/>
-            <a:endParaRPr lang="en-US"/>
-          </a:p>
-        </p:txBody>
-      </p:sp>
-      <p:sp>
-        <p:nvSpPr>
-          <p:cNvPr id="18" name="Rectangle 17">
-            <a:extLst>
-              <a:ext uri="{FF2B5EF4-FFF2-40B4-BE49-F238E27FC236}">
-                <a16:creationId xmlns:a16="http://schemas.microsoft.com/office/drawing/2014/main" id="{86B747D8-811B-B262-DE0A-83F93F2603CF}"/>
-              </a:ext>
-            </a:extLst>
-          </p:cNvPr>
-          <p:cNvSpPr/>
-          <p:nvPr/>
-        </p:nvSpPr>
-        <p:spPr>
-          <a:xfrm>
-            <a:off x="688976" y="3440274"/>
-            <a:ext cx="2032000" cy="242332"/>
-          </a:xfrm>
-          <a:prstGeom prst="rect">
-            <a:avLst/>
-          </a:prstGeom>
-          <a:solidFill>
-            <a:schemeClr val="accent1">
-              <a:alpha val="36000"/>
-            </a:schemeClr>
-          </a:solidFill>
-        </p:spPr>
-        <p:style>
-          <a:lnRef idx="2">
-            <a:schemeClr val="accent1">
-              <a:shade val="15000"/>
-            </a:schemeClr>
-          </a:lnRef>
-          <a:fillRef idx="1">
-            <a:schemeClr val="accent1"/>
-          </a:fillRef>
-          <a:effectRef idx="0">
-            <a:schemeClr val="accent1"/>
-          </a:effectRef>
-          <a:fontRef idx="minor">
-            <a:schemeClr val="lt1"/>
-          </a:fontRef>
-        </p:style>
-        <p:txBody>
-          <a:bodyPr rtlCol="0" anchor="ctr"/>
-          <a:lstStyle/>
-          <a:p>
-            <a:pPr algn="ctr"/>
-            <a:endParaRPr lang="en-US"/>
-          </a:p>
-        </p:txBody>
-      </p:sp>
-      <p:sp>
-        <p:nvSpPr>
-          <p:cNvPr id="19" name="Rectangle 18">
-            <a:extLst>
-              <a:ext uri="{FF2B5EF4-FFF2-40B4-BE49-F238E27FC236}">
-                <a16:creationId xmlns:a16="http://schemas.microsoft.com/office/drawing/2014/main" id="{84614404-9C2C-9277-A1BC-F095208BD9AC}"/>
-              </a:ext>
-            </a:extLst>
-          </p:cNvPr>
-          <p:cNvSpPr/>
-          <p:nvPr/>
-        </p:nvSpPr>
-        <p:spPr>
-          <a:xfrm>
-            <a:off x="688976" y="3163790"/>
-            <a:ext cx="1955800" cy="191157"/>
-          </a:xfrm>
-          <a:prstGeom prst="rect">
-            <a:avLst/>
-          </a:prstGeom>
-          <a:solidFill>
-            <a:srgbClr val="FFFF00">
-              <a:alpha val="36000"/>
-            </a:srgbClr>
-          </a:solidFill>
-        </p:spPr>
-        <p:style>
-          <a:lnRef idx="2">
-            <a:schemeClr val="accent1">
-              <a:shade val="15000"/>
-            </a:schemeClr>
-          </a:lnRef>
-          <a:fillRef idx="1">
-            <a:schemeClr val="accent1"/>
-          </a:fillRef>
-          <a:effectRef idx="0">
-            <a:schemeClr val="accent1"/>
-          </a:effectRef>
-          <a:fontRef idx="minor">
-            <a:schemeClr val="lt1"/>
-          </a:fontRef>
-        </p:style>
-        <p:txBody>
-          <a:bodyPr rtlCol="0" anchor="ctr"/>
-          <a:lstStyle/>
-          <a:p>
-            <a:pPr algn="ctr"/>
-            <a:endParaRPr lang="en-US"/>
-          </a:p>
-        </p:txBody>
-      </p:sp>
+    </p:spTree>
+    <p:extLst>
+      <p:ext uri="{BB962C8B-B14F-4D97-AF65-F5344CB8AC3E}">
+        <p14:creationId xmlns:p14="http://schemas.microsoft.com/office/powerpoint/2010/main" val="2001559996"/>
+      </p:ext>
+    </p:extLst>
+  </p:cSld>
+  <p:clrMapOvr>
+    <a:masterClrMapping/>
+  </p:clrMapOvr>
+</p:sld>
+</file>
+
+<file path=ppt/slides/slide13.xml><?xml version="1.0" encoding="utf-8"?>
+<p:sld xmlns:a="http://schemas.openxmlformats.org/drawingml/2006/main" xmlns:r="http://schemas.openxmlformats.org/officeDocument/2006/relationships" xmlns:p="http://schemas.openxmlformats.org/presentationml/2006/main">
+  <p:cSld>
+    <p:spTree>
+      <p:nvGrpSpPr>
+        <p:cNvPr id="1" name=""/>
+        <p:cNvGrpSpPr/>
+        <p:nvPr/>
+      </p:nvGrpSpPr>
+      <p:grpSpPr>
+        <a:xfrm>
+          <a:off x="0" y="0"/>
+          <a:ext cx="0" cy="0"/>
+          <a:chOff x="0" y="0"/>
+          <a:chExt cx="0" cy="0"/>
+        </a:xfrm>
+      </p:grpSpPr>
       <p:pic>
         <p:nvPicPr>
           <p:cNvPr id="5" name="Picture 4">
             <a:extLst>
               <a:ext uri="{FF2B5EF4-FFF2-40B4-BE49-F238E27FC236}">
-                <a16:creationId xmlns:a16="http://schemas.microsoft.com/office/drawing/2014/main" id="{A7FB0517-C875-06F0-6BDE-BAF09420EC5B}"/>
+                <a16:creationId xmlns:a16="http://schemas.microsoft.com/office/drawing/2014/main" id="{27F6DAE6-E23C-1A5A-3FA9-3D72E958F5F4}"/>
               </a:ext>
             </a:extLst>
           </p:cNvPr>
@@ -4340,15 +5508,15 @@
           <p:nvPr/>
         </p:nvPicPr>
         <p:blipFill>
-          <a:blip r:embed="rId3"/>
+          <a:blip r:embed="rId2"/>
           <a:stretch>
             <a:fillRect/>
           </a:stretch>
         </p:blipFill>
         <p:spPr>
           <a:xfrm>
-            <a:off x="6707188" y="1882677"/>
-            <a:ext cx="5848350" cy="2562225"/>
+            <a:off x="558800" y="750164"/>
+            <a:ext cx="8332474" cy="5123585"/>
           </a:xfrm>
           <a:prstGeom prst="rect">
             <a:avLst/>
@@ -4360,7 +5528,7 @@
           <p:cNvPr id="6" name="TextBox 5">
             <a:extLst>
               <a:ext uri="{FF2B5EF4-FFF2-40B4-BE49-F238E27FC236}">
-                <a16:creationId xmlns:a16="http://schemas.microsoft.com/office/drawing/2014/main" id="{AC5EB7FD-6042-2898-FE16-FB44EFDA625C}"/>
+                <a16:creationId xmlns:a16="http://schemas.microsoft.com/office/drawing/2014/main" id="{4C7AFBF5-69C4-53A2-B8AE-CB49FCCE5F8C}"/>
               </a:ext>
             </a:extLst>
           </p:cNvPr>
@@ -4369,8 +5537,8 @@
         </p:nvSpPr>
         <p:spPr>
           <a:xfrm>
-            <a:off x="5586413" y="2857958"/>
-            <a:ext cx="1314450" cy="369332"/>
+            <a:off x="9258300" y="1117600"/>
+            <a:ext cx="2603500" cy="3693319"/>
           </a:xfrm>
           <a:prstGeom prst="rect">
             <a:avLst/>
@@ -4385,17 +5553,38 @@
           <a:p>
             <a:r>
               <a:rPr lang="en-US" dirty="0"/>
-              <a:t>Nimble</a:t>
-            </a:r>
-          </a:p>
-        </p:txBody>
-      </p:sp>
-      <p:sp>
-        <p:nvSpPr>
-          <p:cNvPr id="7" name="TextBox 6">
-            <a:extLst>
-              <a:ext uri="{FF2B5EF4-FFF2-40B4-BE49-F238E27FC236}">
-                <a16:creationId xmlns:a16="http://schemas.microsoft.com/office/drawing/2014/main" id="{1369314A-8289-525B-1583-795EEBE8ED68}"/>
+              <a:t>Interesting how we end up with considerably larger confidence intervals when we consider the Bayes way...</a:t>
+            </a:r>
+          </a:p>
+          <a:p>
+            <a:endParaRPr lang="en-US" dirty="0"/>
+          </a:p>
+          <a:p>
+            <a:r>
+              <a:rPr lang="en-US" dirty="0"/>
+              <a:t>Is it just a more honest accounting of the variability? </a:t>
+            </a:r>
+          </a:p>
+          <a:p>
+            <a:endParaRPr lang="en-US" dirty="0"/>
+          </a:p>
+          <a:p>
+            <a:r>
+              <a:rPr lang="en-US" dirty="0"/>
+              <a:t>Am I still doing something weird?</a:t>
+            </a:r>
+          </a:p>
+          <a:p>
+            <a:endParaRPr lang="en-US" dirty="0"/>
+          </a:p>
+        </p:txBody>
+      </p:sp>
+      <p:sp>
+        <p:nvSpPr>
+          <p:cNvPr id="8" name="TextBox 7">
+            <a:extLst>
+              <a:ext uri="{FF2B5EF4-FFF2-40B4-BE49-F238E27FC236}">
+                <a16:creationId xmlns:a16="http://schemas.microsoft.com/office/drawing/2014/main" id="{42672790-A69A-74AB-093D-047BD22CCD2C}"/>
               </a:ext>
             </a:extLst>
           </p:cNvPr>
@@ -4404,8 +5593,8 @@
         </p:nvSpPr>
         <p:spPr>
           <a:xfrm>
-            <a:off x="5586413" y="3569158"/>
-            <a:ext cx="1314450" cy="369332"/>
+            <a:off x="698500" y="6319619"/>
+            <a:ext cx="11614150" cy="369332"/>
           </a:xfrm>
           <a:prstGeom prst="rect">
             <a:avLst/>
@@ -4413,300 +5602,22 @@
           <a:noFill/>
         </p:spPr>
         <p:txBody>
-          <a:bodyPr wrap="square" rtlCol="0">
+          <a:bodyPr wrap="square">
             <a:spAutoFit/>
           </a:bodyPr>
           <a:lstStyle/>
           <a:p>
             <a:r>
-              <a:rPr lang="en-US" dirty="0" err="1"/>
-              <a:t>glmmTMB</a:t>
-            </a:r>
-            <a:endParaRPr lang="en-US" dirty="0"/>
-          </a:p>
-        </p:txBody>
-      </p:sp>
-      <p:sp>
-        <p:nvSpPr>
-          <p:cNvPr id="8" name="TextBox 7">
-            <a:extLst>
-              <a:ext uri="{FF2B5EF4-FFF2-40B4-BE49-F238E27FC236}">
-                <a16:creationId xmlns:a16="http://schemas.microsoft.com/office/drawing/2014/main" id="{ABE6D3CD-0604-F399-619A-FC1326B54202}"/>
-              </a:ext>
-            </a:extLst>
-          </p:cNvPr>
-          <p:cNvSpPr txBox="1"/>
-          <p:nvPr/>
-        </p:nvSpPr>
-        <p:spPr>
-          <a:xfrm>
-            <a:off x="5094288" y="4202571"/>
-            <a:ext cx="1762125" cy="369332"/>
-          </a:xfrm>
-          <a:prstGeom prst="rect">
-            <a:avLst/>
-          </a:prstGeom>
-          <a:noFill/>
-        </p:spPr>
-        <p:txBody>
-          <a:bodyPr wrap="square" rtlCol="0">
-            <a:spAutoFit/>
-          </a:bodyPr>
-          <a:lstStyle/>
-          <a:p>
-            <a:r>
               <a:rPr lang="en-US" dirty="0"/>
-              <a:t>Nimble Laplace</a:t>
-            </a:r>
-          </a:p>
-        </p:txBody>
-      </p:sp>
-      <p:sp>
-        <p:nvSpPr>
-          <p:cNvPr id="9" name="TextBox 8">
-            <a:extLst>
-              <a:ext uri="{FF2B5EF4-FFF2-40B4-BE49-F238E27FC236}">
-                <a16:creationId xmlns:a16="http://schemas.microsoft.com/office/drawing/2014/main" id="{E27257B7-217D-45AF-CE7D-5E932DB9DFEC}"/>
-              </a:ext>
-            </a:extLst>
-          </p:cNvPr>
-          <p:cNvSpPr txBox="1"/>
-          <p:nvPr/>
-        </p:nvSpPr>
-        <p:spPr>
-          <a:xfrm>
-            <a:off x="5719763" y="2171920"/>
-            <a:ext cx="1314450" cy="369332"/>
-          </a:xfrm>
-          <a:prstGeom prst="rect">
-            <a:avLst/>
-          </a:prstGeom>
-          <a:noFill/>
-        </p:spPr>
-        <p:txBody>
-          <a:bodyPr wrap="square" rtlCol="0">
-            <a:spAutoFit/>
-          </a:bodyPr>
-          <a:lstStyle/>
-          <a:p>
-            <a:r>
-              <a:rPr lang="en-US" dirty="0" err="1"/>
-              <a:t>glmer</a:t>
-            </a:r>
-            <a:endParaRPr lang="en-US" dirty="0"/>
-          </a:p>
-        </p:txBody>
-      </p:sp>
-      <p:sp>
-        <p:nvSpPr>
-          <p:cNvPr id="10" name="Rectangle 9">
-            <a:extLst>
-              <a:ext uri="{FF2B5EF4-FFF2-40B4-BE49-F238E27FC236}">
-                <a16:creationId xmlns:a16="http://schemas.microsoft.com/office/drawing/2014/main" id="{7BD4C822-C15B-B95D-A366-8DD0E12322BA}"/>
-              </a:ext>
-            </a:extLst>
-          </p:cNvPr>
-          <p:cNvSpPr/>
-          <p:nvPr/>
-        </p:nvSpPr>
-        <p:spPr>
-          <a:xfrm>
-            <a:off x="6707188" y="4280359"/>
-            <a:ext cx="2032000" cy="242332"/>
-          </a:xfrm>
-          <a:prstGeom prst="rect">
-            <a:avLst/>
-          </a:prstGeom>
-          <a:solidFill>
-            <a:schemeClr val="accent1">
-              <a:alpha val="36000"/>
-            </a:schemeClr>
-          </a:solidFill>
-        </p:spPr>
-        <p:style>
-          <a:lnRef idx="2">
-            <a:schemeClr val="accent1">
-              <a:shade val="15000"/>
-            </a:schemeClr>
-          </a:lnRef>
-          <a:fillRef idx="1">
-            <a:schemeClr val="accent1"/>
-          </a:fillRef>
-          <a:effectRef idx="0">
-            <a:schemeClr val="accent1"/>
-          </a:effectRef>
-          <a:fontRef idx="minor">
-            <a:schemeClr val="lt1"/>
-          </a:fontRef>
-        </p:style>
-        <p:txBody>
-          <a:bodyPr rtlCol="0" anchor="ctr"/>
-          <a:lstStyle/>
-          <a:p>
-            <a:pPr algn="ctr"/>
-            <a:endParaRPr lang="en-US"/>
-          </a:p>
-        </p:txBody>
-      </p:sp>
-      <p:sp>
-        <p:nvSpPr>
-          <p:cNvPr id="11" name="Rectangle 10">
-            <a:extLst>
-              <a:ext uri="{FF2B5EF4-FFF2-40B4-BE49-F238E27FC236}">
-                <a16:creationId xmlns:a16="http://schemas.microsoft.com/office/drawing/2014/main" id="{282DE57A-B2B4-7556-AAA0-A317EE99F0FA}"/>
-              </a:ext>
-            </a:extLst>
-          </p:cNvPr>
-          <p:cNvSpPr/>
-          <p:nvPr/>
-        </p:nvSpPr>
-        <p:spPr>
-          <a:xfrm>
-            <a:off x="8389938" y="3690840"/>
-            <a:ext cx="698500" cy="511731"/>
-          </a:xfrm>
-          <a:prstGeom prst="rect">
-            <a:avLst/>
-          </a:prstGeom>
-          <a:solidFill>
-            <a:schemeClr val="accent1">
-              <a:alpha val="36000"/>
-            </a:schemeClr>
-          </a:solidFill>
-        </p:spPr>
-        <p:style>
-          <a:lnRef idx="2">
-            <a:schemeClr val="accent1">
-              <a:shade val="15000"/>
-            </a:schemeClr>
-          </a:lnRef>
-          <a:fillRef idx="1">
-            <a:schemeClr val="accent1"/>
-          </a:fillRef>
-          <a:effectRef idx="0">
-            <a:schemeClr val="accent1"/>
-          </a:effectRef>
-          <a:fontRef idx="minor">
-            <a:schemeClr val="lt1"/>
-          </a:fontRef>
-        </p:style>
-        <p:txBody>
-          <a:bodyPr rtlCol="0" anchor="ctr"/>
-          <a:lstStyle/>
-          <a:p>
-            <a:pPr algn="ctr"/>
-            <a:endParaRPr lang="en-US"/>
-          </a:p>
-        </p:txBody>
-      </p:sp>
-      <p:sp>
-        <p:nvSpPr>
-          <p:cNvPr id="12" name="Rectangle 11">
-            <a:extLst>
-              <a:ext uri="{FF2B5EF4-FFF2-40B4-BE49-F238E27FC236}">
-                <a16:creationId xmlns:a16="http://schemas.microsoft.com/office/drawing/2014/main" id="{4DFBE8E4-B12A-0682-9D43-A2E77E55F1B0}"/>
-              </a:ext>
-            </a:extLst>
-          </p:cNvPr>
-          <p:cNvSpPr/>
-          <p:nvPr/>
-        </p:nvSpPr>
-        <p:spPr>
-          <a:xfrm>
-            <a:off x="8389938" y="2309555"/>
-            <a:ext cx="698500" cy="511731"/>
-          </a:xfrm>
-          <a:prstGeom prst="rect">
-            <a:avLst/>
-          </a:prstGeom>
-          <a:solidFill>
-            <a:schemeClr val="accent6">
-              <a:lumMod val="60000"/>
-              <a:lumOff val="40000"/>
-              <a:alpha val="36000"/>
-            </a:schemeClr>
-          </a:solidFill>
-        </p:spPr>
-        <p:style>
-          <a:lnRef idx="2">
-            <a:schemeClr val="accent1">
-              <a:shade val="15000"/>
-            </a:schemeClr>
-          </a:lnRef>
-          <a:fillRef idx="1">
-            <a:schemeClr val="accent1"/>
-          </a:fillRef>
-          <a:effectRef idx="0">
-            <a:schemeClr val="accent1"/>
-          </a:effectRef>
-          <a:fontRef idx="minor">
-            <a:schemeClr val="lt1"/>
-          </a:fontRef>
-        </p:style>
-        <p:txBody>
-          <a:bodyPr rtlCol="0" anchor="ctr"/>
-          <a:lstStyle/>
-          <a:p>
-            <a:pPr algn="ctr"/>
-            <a:endParaRPr lang="en-US"/>
-          </a:p>
-        </p:txBody>
-      </p:sp>
-      <p:sp>
-        <p:nvSpPr>
-          <p:cNvPr id="13" name="Rectangle 12">
-            <a:extLst>
-              <a:ext uri="{FF2B5EF4-FFF2-40B4-BE49-F238E27FC236}">
-                <a16:creationId xmlns:a16="http://schemas.microsoft.com/office/drawing/2014/main" id="{DC75F0DA-A9DE-8AF7-9ACD-C40B9396D38A}"/>
-              </a:ext>
-            </a:extLst>
-          </p:cNvPr>
-          <p:cNvSpPr/>
-          <p:nvPr/>
-        </p:nvSpPr>
-        <p:spPr>
-          <a:xfrm>
-            <a:off x="6611937" y="2947335"/>
-            <a:ext cx="1901825" cy="300830"/>
-          </a:xfrm>
-          <a:prstGeom prst="rect">
-            <a:avLst/>
-          </a:prstGeom>
-          <a:solidFill>
-            <a:srgbClr val="FFFF00">
-              <a:alpha val="36000"/>
-            </a:srgbClr>
-          </a:solidFill>
-        </p:spPr>
-        <p:style>
-          <a:lnRef idx="2">
-            <a:schemeClr val="accent1">
-              <a:shade val="15000"/>
-            </a:schemeClr>
-          </a:lnRef>
-          <a:fillRef idx="1">
-            <a:schemeClr val="accent1"/>
-          </a:fillRef>
-          <a:effectRef idx="0">
-            <a:schemeClr val="accent1"/>
-          </a:effectRef>
-          <a:fontRef idx="minor">
-            <a:schemeClr val="lt1"/>
-          </a:fontRef>
-        </p:style>
-        <p:txBody>
-          <a:bodyPr rtlCol="0" anchor="ctr"/>
-          <a:lstStyle/>
-          <a:p>
-            <a:pPr algn="ctr"/>
-            <a:endParaRPr lang="en-US"/>
+              <a:t>Note to self: add year as a nested effect in location, that might be a more sensible representation of the variability</a:t>
+            </a:r>
           </a:p>
         </p:txBody>
       </p:sp>
     </p:spTree>
     <p:extLst>
       <p:ext uri="{BB962C8B-B14F-4D97-AF65-F5344CB8AC3E}">
-        <p14:creationId xmlns:p14="http://schemas.microsoft.com/office/powerpoint/2010/main" val="2001559996"/>
+        <p14:creationId xmlns:p14="http://schemas.microsoft.com/office/powerpoint/2010/main" val="1652283746"/>
       </p:ext>
     </p:extLst>
   </p:cSld>
